--- a/backend/seeds/generate/Physics_101_Lecture_1_zh-CN_with_notes.pptx
+++ b/backend/seeds/generate/Physics_101_Lecture_1_zh-CN_with_notes.pptx
@@ -508,7 +508,7 @@
           <a:p>
             <a:pPr algn="l"/>
             <a:r>
-              <a:t>欢迎大家来到物理学101课程。今天我们将讨论运动的基本定律。具体来说，我们将探讨牛顿三大运动定律，以及它们如何支配着我们周围的世界。</a:t>
+              <a:t>欢迎大家来到物理学101。今天我们将讨论运动的基本定律。具体来说，我们将探讨牛顿三大运动定律以及它们如何支配我们周围的世界。</a:t>
             </a:r>
           </a:p>
         </p:txBody>
@@ -579,7 +579,7 @@
           <a:p>
             <a:pPr algn="l"/>
             <a:r>
-              <a:t>首先，我们来定义“力”。力是指物体与另一物体相互作用时，对物体产生的推或拉。每当两个物体之间发生相互作用时，每个物体都会受到一个力。</a:t>
+              <a:t>首先，我们来定义“力”。力简单来说就是物体与另一个物体相互作用时，对物体产生的推或拉。每当两个物体之间发生相互作用时，每个物体都会受到力的作用。</a:t>
             </a:r>
           </a:p>
         </p:txBody>
@@ -650,7 +650,7 @@
           <a:p>
             <a:pPr algn="l"/>
             <a:r>
-              <a:t>牛顿第一定律，也称为惯性定律，指出静止的物体将保持静止，运动的物体将以相同的速度和方向保持运动，除非受到不平衡力的作用。</a:t>
+              <a:t>牛顿第一定律，也称为惯性定律，指出静止的物体会保持静止，运动的物体会以相同的速度和方向保持运动，除非受到不平衡力的作用。</a:t>
             </a:r>
           </a:p>
         </p:txBody>
@@ -721,7 +721,7 @@
           <a:p>
             <a:pPr algn="l"/>
             <a:r>
-              <a:t>牛顿第二定律提供了力的计算方法。它指出力等于质量乘以加速度，即 F 等于 m 乘以 a。这意味着物体越重，移动它所需的力就越大。</a:t>
+              <a:t>牛顿第二定律提供了力的计算方法。它指出力等于质量乘以加速度。F = ma。这意味着物体越重，移动它所需的力就越大。</a:t>
             </a:r>
           </a:p>
         </p:txBody>
@@ -792,7 +792,7 @@
           <a:p>
             <a:pPr algn="l"/>
             <a:r>
-              <a:t>最后，牛顿第三定律：每一个作用力，都存在一个大小相等、方向相反的反作用力。这意味着在每一次相互作用中，都有一对力作用于这两个相互作用的物体上。</a:t>
+              <a:t>最后，牛顿第三定律是：每一个作用力都有一个大小相等、方向相反的反作用力。这意味着在每一次相互作用中，都有一对力作用在两个相互作用的物体上。</a:t>
             </a:r>
           </a:p>
         </p:txBody>
@@ -863,7 +863,7 @@
           <a:p>
             <a:pPr algn="l"/>
             <a:r>
-              <a:t>我们简要的介绍到此结束。请大家复习课本第一章，为下周的实验课做准备。感谢大家的聆听！</a:t>
+              <a:t>我们的简短介绍到此结束。请大家预习课本的第一章，为下周的实验课做准备。感谢大家的聆听！</a:t>
             </a:r>
           </a:p>
         </p:txBody>
